--- a/ppt 16-9/1065.主恩典够我用.pptx
+++ b/ppt 16-9/1065.主恩典够我用.pptx
@@ -129,7 +129,7 @@
           <p:cNvPr id="2" name="标题 1">
             <a:extLst>
               <a:ext uri="{FF2B5EF4-FFF2-40B4-BE49-F238E27FC236}">
-                <a16:creationId xmlns:a16="http://schemas.microsoft.com/office/drawing/2014/main" id="{8AB4B46E-DF44-B464-3DA0-91EE2EF47974}"/>
+                <a16:creationId xmlns:a16="http://schemas.microsoft.com/office/drawing/2014/main" id="{B5FD77F5-0198-AF36-0C9F-BC64386CA4ED}"/>
               </a:ext>
             </a:extLst>
           </p:cNvPr>
@@ -166,7 +166,7 @@
           <p:cNvPr id="3" name="副标题 2">
             <a:extLst>
               <a:ext uri="{FF2B5EF4-FFF2-40B4-BE49-F238E27FC236}">
-                <a16:creationId xmlns:a16="http://schemas.microsoft.com/office/drawing/2014/main" id="{FBA90E6A-EE31-8333-2BFC-A9456C807BA9}"/>
+                <a16:creationId xmlns:a16="http://schemas.microsoft.com/office/drawing/2014/main" id="{840C8FC1-4498-7845-B11B-0F86CF9A7F31}"/>
               </a:ext>
             </a:extLst>
           </p:cNvPr>
@@ -236,7 +236,7 @@
           <p:cNvPr id="4" name="日期占位符 3">
             <a:extLst>
               <a:ext uri="{FF2B5EF4-FFF2-40B4-BE49-F238E27FC236}">
-                <a16:creationId xmlns:a16="http://schemas.microsoft.com/office/drawing/2014/main" id="{9D339655-1310-8162-17D3-ADF1C7B4F986}"/>
+                <a16:creationId xmlns:a16="http://schemas.microsoft.com/office/drawing/2014/main" id="{EAEB7D01-4177-A35A-5F81-990EC6435F54}"/>
               </a:ext>
             </a:extLst>
           </p:cNvPr>
@@ -252,7 +252,7 @@
           <a:bodyPr/>
           <a:lstStyle/>
           <a:p>
-            <a:fld id="{F92B824C-7FF8-488C-A7A6-CFD28D66E269}" type="datetimeFigureOut">
+            <a:fld id="{99024CE7-2EC9-4149-82EB-2DB9FA556285}" type="datetimeFigureOut">
               <a:rPr lang="zh-CN" altLang="en-US" smtClean="0"/>
               <a:t>2024/3/10</a:t>
             </a:fld>
@@ -265,7 +265,7 @@
           <p:cNvPr id="5" name="页脚占位符 4">
             <a:extLst>
               <a:ext uri="{FF2B5EF4-FFF2-40B4-BE49-F238E27FC236}">
-                <a16:creationId xmlns:a16="http://schemas.microsoft.com/office/drawing/2014/main" id="{1F6C666B-0C08-8D61-7553-6956796977CA}"/>
+                <a16:creationId xmlns:a16="http://schemas.microsoft.com/office/drawing/2014/main" id="{362328A7-EB24-9936-D3C6-4E9D7F67A581}"/>
               </a:ext>
             </a:extLst>
           </p:cNvPr>
@@ -290,7 +290,7 @@
           <p:cNvPr id="6" name="灯片编号占位符 5">
             <a:extLst>
               <a:ext uri="{FF2B5EF4-FFF2-40B4-BE49-F238E27FC236}">
-                <a16:creationId xmlns:a16="http://schemas.microsoft.com/office/drawing/2014/main" id="{00C30EC7-43AD-2B22-A956-6E83D011C6F1}"/>
+                <a16:creationId xmlns:a16="http://schemas.microsoft.com/office/drawing/2014/main" id="{F2431BA2-8844-627F-8BE0-82EA29E8BD87}"/>
               </a:ext>
             </a:extLst>
           </p:cNvPr>
@@ -306,7 +306,7 @@
           <a:bodyPr/>
           <a:lstStyle/>
           <a:p>
-            <a:fld id="{0C8FB69C-1429-41CA-B15E-9DBF1900AC5B}" type="slidenum">
+            <a:fld id="{F2A2506F-562E-468A-84B9-FB1C3508E412}" type="slidenum">
               <a:rPr lang="zh-CN" altLang="en-US" smtClean="0"/>
               <a:t>‹#›</a:t>
             </a:fld>
@@ -317,7 +317,7 @@
     </p:spTree>
     <p:extLst>
       <p:ext uri="{BB962C8B-B14F-4D97-AF65-F5344CB8AC3E}">
-        <p14:creationId xmlns:p14="http://schemas.microsoft.com/office/powerpoint/2010/main" val="963596543"/>
+        <p14:creationId xmlns:p14="http://schemas.microsoft.com/office/powerpoint/2010/main" val="3945806883"/>
       </p:ext>
     </p:extLst>
   </p:cSld>
@@ -349,7 +349,7 @@
           <p:cNvPr id="2" name="标题 1">
             <a:extLst>
               <a:ext uri="{FF2B5EF4-FFF2-40B4-BE49-F238E27FC236}">
-                <a16:creationId xmlns:a16="http://schemas.microsoft.com/office/drawing/2014/main" id="{6152E180-EA27-3B01-2839-56C3474EF679}"/>
+                <a16:creationId xmlns:a16="http://schemas.microsoft.com/office/drawing/2014/main" id="{6FEF560B-290A-5BFE-DBC5-EADB54A9E6B2}"/>
               </a:ext>
             </a:extLst>
           </p:cNvPr>
@@ -377,7 +377,7 @@
           <p:cNvPr id="3" name="竖排文字占位符 2">
             <a:extLst>
               <a:ext uri="{FF2B5EF4-FFF2-40B4-BE49-F238E27FC236}">
-                <a16:creationId xmlns:a16="http://schemas.microsoft.com/office/drawing/2014/main" id="{EE295499-CF07-9543-8CF0-CC66B06469DF}"/>
+                <a16:creationId xmlns:a16="http://schemas.microsoft.com/office/drawing/2014/main" id="{79040B5C-BFB8-1E60-F3F2-7A77A5DD8356}"/>
               </a:ext>
             </a:extLst>
           </p:cNvPr>
@@ -434,7 +434,7 @@
           <p:cNvPr id="4" name="日期占位符 3">
             <a:extLst>
               <a:ext uri="{FF2B5EF4-FFF2-40B4-BE49-F238E27FC236}">
-                <a16:creationId xmlns:a16="http://schemas.microsoft.com/office/drawing/2014/main" id="{F3A23118-4738-B612-C189-251A20BB1B3A}"/>
+                <a16:creationId xmlns:a16="http://schemas.microsoft.com/office/drawing/2014/main" id="{399248F2-3DFD-79FF-1337-09E63B9B269F}"/>
               </a:ext>
             </a:extLst>
           </p:cNvPr>
@@ -450,7 +450,7 @@
           <a:bodyPr/>
           <a:lstStyle/>
           <a:p>
-            <a:fld id="{F92B824C-7FF8-488C-A7A6-CFD28D66E269}" type="datetimeFigureOut">
+            <a:fld id="{99024CE7-2EC9-4149-82EB-2DB9FA556285}" type="datetimeFigureOut">
               <a:rPr lang="zh-CN" altLang="en-US" smtClean="0"/>
               <a:t>2024/3/10</a:t>
             </a:fld>
@@ -463,7 +463,7 @@
           <p:cNvPr id="5" name="页脚占位符 4">
             <a:extLst>
               <a:ext uri="{FF2B5EF4-FFF2-40B4-BE49-F238E27FC236}">
-                <a16:creationId xmlns:a16="http://schemas.microsoft.com/office/drawing/2014/main" id="{6478B4A1-CB15-1E54-C3B5-5853F4780065}"/>
+                <a16:creationId xmlns:a16="http://schemas.microsoft.com/office/drawing/2014/main" id="{016D6CAC-E84B-4434-03EE-021C7217D283}"/>
               </a:ext>
             </a:extLst>
           </p:cNvPr>
@@ -488,7 +488,7 @@
           <p:cNvPr id="6" name="灯片编号占位符 5">
             <a:extLst>
               <a:ext uri="{FF2B5EF4-FFF2-40B4-BE49-F238E27FC236}">
-                <a16:creationId xmlns:a16="http://schemas.microsoft.com/office/drawing/2014/main" id="{EBF09CA0-6C4B-4887-C532-032B05BE76BE}"/>
+                <a16:creationId xmlns:a16="http://schemas.microsoft.com/office/drawing/2014/main" id="{D4DC853C-1C14-2E53-02CB-BD31804C2EFC}"/>
               </a:ext>
             </a:extLst>
           </p:cNvPr>
@@ -504,7 +504,7 @@
           <a:bodyPr/>
           <a:lstStyle/>
           <a:p>
-            <a:fld id="{0C8FB69C-1429-41CA-B15E-9DBF1900AC5B}" type="slidenum">
+            <a:fld id="{F2A2506F-562E-468A-84B9-FB1C3508E412}" type="slidenum">
               <a:rPr lang="zh-CN" altLang="en-US" smtClean="0"/>
               <a:t>‹#›</a:t>
             </a:fld>
@@ -515,7 +515,7 @@
     </p:spTree>
     <p:extLst>
       <p:ext uri="{BB962C8B-B14F-4D97-AF65-F5344CB8AC3E}">
-        <p14:creationId xmlns:p14="http://schemas.microsoft.com/office/powerpoint/2010/main" val="3606539238"/>
+        <p14:creationId xmlns:p14="http://schemas.microsoft.com/office/powerpoint/2010/main" val="71630597"/>
       </p:ext>
     </p:extLst>
   </p:cSld>
@@ -547,7 +547,7 @@
           <p:cNvPr id="2" name="竖排标题 1">
             <a:extLst>
               <a:ext uri="{FF2B5EF4-FFF2-40B4-BE49-F238E27FC236}">
-                <a16:creationId xmlns:a16="http://schemas.microsoft.com/office/drawing/2014/main" id="{4A3E462D-C4BC-80C4-1738-294729A34C4E}"/>
+                <a16:creationId xmlns:a16="http://schemas.microsoft.com/office/drawing/2014/main" id="{F0BBA2B0-C4C4-A92B-1A8A-F8C720FE546A}"/>
               </a:ext>
             </a:extLst>
           </p:cNvPr>
@@ -580,7 +580,7 @@
           <p:cNvPr id="3" name="竖排文字占位符 2">
             <a:extLst>
               <a:ext uri="{FF2B5EF4-FFF2-40B4-BE49-F238E27FC236}">
-                <a16:creationId xmlns:a16="http://schemas.microsoft.com/office/drawing/2014/main" id="{38DB1B68-5F05-41C7-6613-DCBD6B13E6BA}"/>
+                <a16:creationId xmlns:a16="http://schemas.microsoft.com/office/drawing/2014/main" id="{AAD8696C-535A-9B28-B498-76BE0C567313}"/>
               </a:ext>
             </a:extLst>
           </p:cNvPr>
@@ -642,7 +642,7 @@
           <p:cNvPr id="4" name="日期占位符 3">
             <a:extLst>
               <a:ext uri="{FF2B5EF4-FFF2-40B4-BE49-F238E27FC236}">
-                <a16:creationId xmlns:a16="http://schemas.microsoft.com/office/drawing/2014/main" id="{C7450A6A-7625-E44C-6827-4E03128C9058}"/>
+                <a16:creationId xmlns:a16="http://schemas.microsoft.com/office/drawing/2014/main" id="{F488BE1C-0D6F-F53D-ED31-91CF0F0237D4}"/>
               </a:ext>
             </a:extLst>
           </p:cNvPr>
@@ -658,7 +658,7 @@
           <a:bodyPr/>
           <a:lstStyle/>
           <a:p>
-            <a:fld id="{F92B824C-7FF8-488C-A7A6-CFD28D66E269}" type="datetimeFigureOut">
+            <a:fld id="{99024CE7-2EC9-4149-82EB-2DB9FA556285}" type="datetimeFigureOut">
               <a:rPr lang="zh-CN" altLang="en-US" smtClean="0"/>
               <a:t>2024/3/10</a:t>
             </a:fld>
@@ -671,7 +671,7 @@
           <p:cNvPr id="5" name="页脚占位符 4">
             <a:extLst>
               <a:ext uri="{FF2B5EF4-FFF2-40B4-BE49-F238E27FC236}">
-                <a16:creationId xmlns:a16="http://schemas.microsoft.com/office/drawing/2014/main" id="{CD35DE7A-8613-3F6C-AB4A-98C4E1D1F6F3}"/>
+                <a16:creationId xmlns:a16="http://schemas.microsoft.com/office/drawing/2014/main" id="{DD2E055A-77FE-60DF-74B5-1AA2571317FA}"/>
               </a:ext>
             </a:extLst>
           </p:cNvPr>
@@ -696,7 +696,7 @@
           <p:cNvPr id="6" name="灯片编号占位符 5">
             <a:extLst>
               <a:ext uri="{FF2B5EF4-FFF2-40B4-BE49-F238E27FC236}">
-                <a16:creationId xmlns:a16="http://schemas.microsoft.com/office/drawing/2014/main" id="{BD337232-7D98-EF79-2E93-84ADDD0AD303}"/>
+                <a16:creationId xmlns:a16="http://schemas.microsoft.com/office/drawing/2014/main" id="{972B9131-5567-8C6F-7D37-DB2DBB43C447}"/>
               </a:ext>
             </a:extLst>
           </p:cNvPr>
@@ -712,7 +712,7 @@
           <a:bodyPr/>
           <a:lstStyle/>
           <a:p>
-            <a:fld id="{0C8FB69C-1429-41CA-B15E-9DBF1900AC5B}" type="slidenum">
+            <a:fld id="{F2A2506F-562E-468A-84B9-FB1C3508E412}" type="slidenum">
               <a:rPr lang="zh-CN" altLang="en-US" smtClean="0"/>
               <a:t>‹#›</a:t>
             </a:fld>
@@ -723,7 +723,7 @@
     </p:spTree>
     <p:extLst>
       <p:ext uri="{BB962C8B-B14F-4D97-AF65-F5344CB8AC3E}">
-        <p14:creationId xmlns:p14="http://schemas.microsoft.com/office/powerpoint/2010/main" val="1214919805"/>
+        <p14:creationId xmlns:p14="http://schemas.microsoft.com/office/powerpoint/2010/main" val="876653437"/>
       </p:ext>
     </p:extLst>
   </p:cSld>
@@ -755,7 +755,7 @@
           <p:cNvPr id="2" name="标题 1">
             <a:extLst>
               <a:ext uri="{FF2B5EF4-FFF2-40B4-BE49-F238E27FC236}">
-                <a16:creationId xmlns:a16="http://schemas.microsoft.com/office/drawing/2014/main" id="{576D374B-924E-1DA0-7536-36C7D04A7BA3}"/>
+                <a16:creationId xmlns:a16="http://schemas.microsoft.com/office/drawing/2014/main" id="{4090DCD7-D4E5-1279-AF2F-4CA13344C662}"/>
               </a:ext>
             </a:extLst>
           </p:cNvPr>
@@ -783,7 +783,7 @@
           <p:cNvPr id="3" name="内容占位符 2">
             <a:extLst>
               <a:ext uri="{FF2B5EF4-FFF2-40B4-BE49-F238E27FC236}">
-                <a16:creationId xmlns:a16="http://schemas.microsoft.com/office/drawing/2014/main" id="{16B6DB3D-4081-5A4E-88CA-2909FF2B60EC}"/>
+                <a16:creationId xmlns:a16="http://schemas.microsoft.com/office/drawing/2014/main" id="{96B6BD68-307E-6355-6CAF-23CF1F969566}"/>
               </a:ext>
             </a:extLst>
           </p:cNvPr>
@@ -840,7 +840,7 @@
           <p:cNvPr id="4" name="日期占位符 3">
             <a:extLst>
               <a:ext uri="{FF2B5EF4-FFF2-40B4-BE49-F238E27FC236}">
-                <a16:creationId xmlns:a16="http://schemas.microsoft.com/office/drawing/2014/main" id="{37D0E1FF-CDA5-ED09-EFD8-04ACFEE81C4D}"/>
+                <a16:creationId xmlns:a16="http://schemas.microsoft.com/office/drawing/2014/main" id="{7354E6DA-4F39-F12C-737E-D3FE9902A5C1}"/>
               </a:ext>
             </a:extLst>
           </p:cNvPr>
@@ -856,7 +856,7 @@
           <a:bodyPr/>
           <a:lstStyle/>
           <a:p>
-            <a:fld id="{F92B824C-7FF8-488C-A7A6-CFD28D66E269}" type="datetimeFigureOut">
+            <a:fld id="{99024CE7-2EC9-4149-82EB-2DB9FA556285}" type="datetimeFigureOut">
               <a:rPr lang="zh-CN" altLang="en-US" smtClean="0"/>
               <a:t>2024/3/10</a:t>
             </a:fld>
@@ -869,7 +869,7 @@
           <p:cNvPr id="5" name="页脚占位符 4">
             <a:extLst>
               <a:ext uri="{FF2B5EF4-FFF2-40B4-BE49-F238E27FC236}">
-                <a16:creationId xmlns:a16="http://schemas.microsoft.com/office/drawing/2014/main" id="{534FAB32-6FE3-2B45-9139-02295778016F}"/>
+                <a16:creationId xmlns:a16="http://schemas.microsoft.com/office/drawing/2014/main" id="{8FD72F72-E35B-A75F-509F-B4940EBA67F9}"/>
               </a:ext>
             </a:extLst>
           </p:cNvPr>
@@ -894,7 +894,7 @@
           <p:cNvPr id="6" name="灯片编号占位符 5">
             <a:extLst>
               <a:ext uri="{FF2B5EF4-FFF2-40B4-BE49-F238E27FC236}">
-                <a16:creationId xmlns:a16="http://schemas.microsoft.com/office/drawing/2014/main" id="{7001C85E-D6CB-1568-4B3B-36D918F2D193}"/>
+                <a16:creationId xmlns:a16="http://schemas.microsoft.com/office/drawing/2014/main" id="{90D404BA-157A-816C-49CD-743619E8232F}"/>
               </a:ext>
             </a:extLst>
           </p:cNvPr>
@@ -910,7 +910,7 @@
           <a:bodyPr/>
           <a:lstStyle/>
           <a:p>
-            <a:fld id="{0C8FB69C-1429-41CA-B15E-9DBF1900AC5B}" type="slidenum">
+            <a:fld id="{F2A2506F-562E-468A-84B9-FB1C3508E412}" type="slidenum">
               <a:rPr lang="zh-CN" altLang="en-US" smtClean="0"/>
               <a:t>‹#›</a:t>
             </a:fld>
@@ -921,7 +921,7 @@
     </p:spTree>
     <p:extLst>
       <p:ext uri="{BB962C8B-B14F-4D97-AF65-F5344CB8AC3E}">
-        <p14:creationId xmlns:p14="http://schemas.microsoft.com/office/powerpoint/2010/main" val="1393888167"/>
+        <p14:creationId xmlns:p14="http://schemas.microsoft.com/office/powerpoint/2010/main" val="2650274960"/>
       </p:ext>
     </p:extLst>
   </p:cSld>
@@ -953,7 +953,7 @@
           <p:cNvPr id="2" name="标题 1">
             <a:extLst>
               <a:ext uri="{FF2B5EF4-FFF2-40B4-BE49-F238E27FC236}">
-                <a16:creationId xmlns:a16="http://schemas.microsoft.com/office/drawing/2014/main" id="{701EA61A-88E8-D261-3E5A-DD0316C3ACED}"/>
+                <a16:creationId xmlns:a16="http://schemas.microsoft.com/office/drawing/2014/main" id="{82019F18-E7A7-5CC1-DC5B-A871E23196AB}"/>
               </a:ext>
             </a:extLst>
           </p:cNvPr>
@@ -990,7 +990,7 @@
           <p:cNvPr id="3" name="文本占位符 2">
             <a:extLst>
               <a:ext uri="{FF2B5EF4-FFF2-40B4-BE49-F238E27FC236}">
-                <a16:creationId xmlns:a16="http://schemas.microsoft.com/office/drawing/2014/main" id="{EC7DEA15-449C-5FAF-F70C-750AAF429D75}"/>
+                <a16:creationId xmlns:a16="http://schemas.microsoft.com/office/drawing/2014/main" id="{2CCCD44E-70B4-F66A-3E7D-CC8FA2020473}"/>
               </a:ext>
             </a:extLst>
           </p:cNvPr>
@@ -1115,7 +1115,7 @@
           <p:cNvPr id="4" name="日期占位符 3">
             <a:extLst>
               <a:ext uri="{FF2B5EF4-FFF2-40B4-BE49-F238E27FC236}">
-                <a16:creationId xmlns:a16="http://schemas.microsoft.com/office/drawing/2014/main" id="{9B9138C2-CAB3-DD85-2782-1F79EDA100EA}"/>
+                <a16:creationId xmlns:a16="http://schemas.microsoft.com/office/drawing/2014/main" id="{E852B352-00AD-BBED-8160-87DCE497FFFC}"/>
               </a:ext>
             </a:extLst>
           </p:cNvPr>
@@ -1131,7 +1131,7 @@
           <a:bodyPr/>
           <a:lstStyle/>
           <a:p>
-            <a:fld id="{F92B824C-7FF8-488C-A7A6-CFD28D66E269}" type="datetimeFigureOut">
+            <a:fld id="{99024CE7-2EC9-4149-82EB-2DB9FA556285}" type="datetimeFigureOut">
               <a:rPr lang="zh-CN" altLang="en-US" smtClean="0"/>
               <a:t>2024/3/10</a:t>
             </a:fld>
@@ -1144,7 +1144,7 @@
           <p:cNvPr id="5" name="页脚占位符 4">
             <a:extLst>
               <a:ext uri="{FF2B5EF4-FFF2-40B4-BE49-F238E27FC236}">
-                <a16:creationId xmlns:a16="http://schemas.microsoft.com/office/drawing/2014/main" id="{B591EF85-BF1F-4DD2-0198-C1ADC3A402E2}"/>
+                <a16:creationId xmlns:a16="http://schemas.microsoft.com/office/drawing/2014/main" id="{BB63162F-6011-6D7A-3B99-89B19CD58E70}"/>
               </a:ext>
             </a:extLst>
           </p:cNvPr>
@@ -1169,7 +1169,7 @@
           <p:cNvPr id="6" name="灯片编号占位符 5">
             <a:extLst>
               <a:ext uri="{FF2B5EF4-FFF2-40B4-BE49-F238E27FC236}">
-                <a16:creationId xmlns:a16="http://schemas.microsoft.com/office/drawing/2014/main" id="{786611A1-9377-C15C-9D83-B814E817F306}"/>
+                <a16:creationId xmlns:a16="http://schemas.microsoft.com/office/drawing/2014/main" id="{E89B8D99-73AA-B1ED-7D24-5B4CC630261A}"/>
               </a:ext>
             </a:extLst>
           </p:cNvPr>
@@ -1185,7 +1185,7 @@
           <a:bodyPr/>
           <a:lstStyle/>
           <a:p>
-            <a:fld id="{0C8FB69C-1429-41CA-B15E-9DBF1900AC5B}" type="slidenum">
+            <a:fld id="{F2A2506F-562E-468A-84B9-FB1C3508E412}" type="slidenum">
               <a:rPr lang="zh-CN" altLang="en-US" smtClean="0"/>
               <a:t>‹#›</a:t>
             </a:fld>
@@ -1196,7 +1196,7 @@
     </p:spTree>
     <p:extLst>
       <p:ext uri="{BB962C8B-B14F-4D97-AF65-F5344CB8AC3E}">
-        <p14:creationId xmlns:p14="http://schemas.microsoft.com/office/powerpoint/2010/main" val="1501754253"/>
+        <p14:creationId xmlns:p14="http://schemas.microsoft.com/office/powerpoint/2010/main" val="3044281846"/>
       </p:ext>
     </p:extLst>
   </p:cSld>
@@ -1228,7 +1228,7 @@
           <p:cNvPr id="2" name="标题 1">
             <a:extLst>
               <a:ext uri="{FF2B5EF4-FFF2-40B4-BE49-F238E27FC236}">
-                <a16:creationId xmlns:a16="http://schemas.microsoft.com/office/drawing/2014/main" id="{5B6FD71A-C124-6C78-5FE7-305C5732DF0D}"/>
+                <a16:creationId xmlns:a16="http://schemas.microsoft.com/office/drawing/2014/main" id="{E3B89322-4124-0C74-FA16-CC3804B51505}"/>
               </a:ext>
             </a:extLst>
           </p:cNvPr>
@@ -1256,7 +1256,7 @@
           <p:cNvPr id="3" name="内容占位符 2">
             <a:extLst>
               <a:ext uri="{FF2B5EF4-FFF2-40B4-BE49-F238E27FC236}">
-                <a16:creationId xmlns:a16="http://schemas.microsoft.com/office/drawing/2014/main" id="{084F8EE0-CF71-DD28-F19F-EC8BCCA33069}"/>
+                <a16:creationId xmlns:a16="http://schemas.microsoft.com/office/drawing/2014/main" id="{5E3B0246-FB24-D536-6735-39D1306754E2}"/>
               </a:ext>
             </a:extLst>
           </p:cNvPr>
@@ -1318,7 +1318,7 @@
           <p:cNvPr id="4" name="内容占位符 3">
             <a:extLst>
               <a:ext uri="{FF2B5EF4-FFF2-40B4-BE49-F238E27FC236}">
-                <a16:creationId xmlns:a16="http://schemas.microsoft.com/office/drawing/2014/main" id="{DCF43CBD-2136-0F8C-A257-8F6E248CA1B9}"/>
+                <a16:creationId xmlns:a16="http://schemas.microsoft.com/office/drawing/2014/main" id="{817E78F8-D0D5-5EDE-3E26-F0BB395035CF}"/>
               </a:ext>
             </a:extLst>
           </p:cNvPr>
@@ -1380,7 +1380,7 @@
           <p:cNvPr id="5" name="日期占位符 4">
             <a:extLst>
               <a:ext uri="{FF2B5EF4-FFF2-40B4-BE49-F238E27FC236}">
-                <a16:creationId xmlns:a16="http://schemas.microsoft.com/office/drawing/2014/main" id="{9A9A3BCD-B2C5-F1D1-6F6E-8BB20AA4AD54}"/>
+                <a16:creationId xmlns:a16="http://schemas.microsoft.com/office/drawing/2014/main" id="{438F644D-5007-B26B-BA1B-6226423C5953}"/>
               </a:ext>
             </a:extLst>
           </p:cNvPr>
@@ -1396,7 +1396,7 @@
           <a:bodyPr/>
           <a:lstStyle/>
           <a:p>
-            <a:fld id="{F92B824C-7FF8-488C-A7A6-CFD28D66E269}" type="datetimeFigureOut">
+            <a:fld id="{99024CE7-2EC9-4149-82EB-2DB9FA556285}" type="datetimeFigureOut">
               <a:rPr lang="zh-CN" altLang="en-US" smtClean="0"/>
               <a:t>2024/3/10</a:t>
             </a:fld>
@@ -1409,7 +1409,7 @@
           <p:cNvPr id="6" name="页脚占位符 5">
             <a:extLst>
               <a:ext uri="{FF2B5EF4-FFF2-40B4-BE49-F238E27FC236}">
-                <a16:creationId xmlns:a16="http://schemas.microsoft.com/office/drawing/2014/main" id="{365AE556-8D13-B052-95AD-B3FF2BCABFD5}"/>
+                <a16:creationId xmlns:a16="http://schemas.microsoft.com/office/drawing/2014/main" id="{FB7A0C82-1E4B-83EE-F0D1-E0CFD220B5FB}"/>
               </a:ext>
             </a:extLst>
           </p:cNvPr>
@@ -1434,7 +1434,7 @@
           <p:cNvPr id="7" name="灯片编号占位符 6">
             <a:extLst>
               <a:ext uri="{FF2B5EF4-FFF2-40B4-BE49-F238E27FC236}">
-                <a16:creationId xmlns:a16="http://schemas.microsoft.com/office/drawing/2014/main" id="{3DF0D5F3-BB01-0F18-63CA-56929A5FE791}"/>
+                <a16:creationId xmlns:a16="http://schemas.microsoft.com/office/drawing/2014/main" id="{9652DF38-0E7A-885B-3750-97CB7CCE4C23}"/>
               </a:ext>
             </a:extLst>
           </p:cNvPr>
@@ -1450,7 +1450,7 @@
           <a:bodyPr/>
           <a:lstStyle/>
           <a:p>
-            <a:fld id="{0C8FB69C-1429-41CA-B15E-9DBF1900AC5B}" type="slidenum">
+            <a:fld id="{F2A2506F-562E-468A-84B9-FB1C3508E412}" type="slidenum">
               <a:rPr lang="zh-CN" altLang="en-US" smtClean="0"/>
               <a:t>‹#›</a:t>
             </a:fld>
@@ -1461,7 +1461,7 @@
     </p:spTree>
     <p:extLst>
       <p:ext uri="{BB962C8B-B14F-4D97-AF65-F5344CB8AC3E}">
-        <p14:creationId xmlns:p14="http://schemas.microsoft.com/office/powerpoint/2010/main" val="627244373"/>
+        <p14:creationId xmlns:p14="http://schemas.microsoft.com/office/powerpoint/2010/main" val="522050763"/>
       </p:ext>
     </p:extLst>
   </p:cSld>
@@ -1493,7 +1493,7 @@
           <p:cNvPr id="2" name="标题 1">
             <a:extLst>
               <a:ext uri="{FF2B5EF4-FFF2-40B4-BE49-F238E27FC236}">
-                <a16:creationId xmlns:a16="http://schemas.microsoft.com/office/drawing/2014/main" id="{DE5B1AF7-A0C4-CB94-AA77-A924CC98AA18}"/>
+                <a16:creationId xmlns:a16="http://schemas.microsoft.com/office/drawing/2014/main" id="{DD50CAD3-5094-53B1-6951-3280EC27B8C1}"/>
               </a:ext>
             </a:extLst>
           </p:cNvPr>
@@ -1526,7 +1526,7 @@
           <p:cNvPr id="3" name="文本占位符 2">
             <a:extLst>
               <a:ext uri="{FF2B5EF4-FFF2-40B4-BE49-F238E27FC236}">
-                <a16:creationId xmlns:a16="http://schemas.microsoft.com/office/drawing/2014/main" id="{8E363222-E021-E287-F87B-052E28CCAA65}"/>
+                <a16:creationId xmlns:a16="http://schemas.microsoft.com/office/drawing/2014/main" id="{D1D2EA96-51D5-1E30-76AA-DC9375770379}"/>
               </a:ext>
             </a:extLst>
           </p:cNvPr>
@@ -1597,7 +1597,7 @@
           <p:cNvPr id="4" name="内容占位符 3">
             <a:extLst>
               <a:ext uri="{FF2B5EF4-FFF2-40B4-BE49-F238E27FC236}">
-                <a16:creationId xmlns:a16="http://schemas.microsoft.com/office/drawing/2014/main" id="{DDC84823-5D5D-DF2F-C5D9-BC2277C410AF}"/>
+                <a16:creationId xmlns:a16="http://schemas.microsoft.com/office/drawing/2014/main" id="{8B5AC94F-EF72-9F9D-C367-B8E851462CF5}"/>
               </a:ext>
             </a:extLst>
           </p:cNvPr>
@@ -1659,7 +1659,7 @@
           <p:cNvPr id="5" name="文本占位符 4">
             <a:extLst>
               <a:ext uri="{FF2B5EF4-FFF2-40B4-BE49-F238E27FC236}">
-                <a16:creationId xmlns:a16="http://schemas.microsoft.com/office/drawing/2014/main" id="{7278BD76-35EE-6DDB-CA4C-3D1866134BB1}"/>
+                <a16:creationId xmlns:a16="http://schemas.microsoft.com/office/drawing/2014/main" id="{43F11219-C8EC-7C17-E12B-9239ED2D4FE3}"/>
               </a:ext>
             </a:extLst>
           </p:cNvPr>
@@ -1730,7 +1730,7 @@
           <p:cNvPr id="6" name="内容占位符 5">
             <a:extLst>
               <a:ext uri="{FF2B5EF4-FFF2-40B4-BE49-F238E27FC236}">
-                <a16:creationId xmlns:a16="http://schemas.microsoft.com/office/drawing/2014/main" id="{AE989212-EE43-AF24-AC60-2E04917AFBAA}"/>
+                <a16:creationId xmlns:a16="http://schemas.microsoft.com/office/drawing/2014/main" id="{3C733F7F-4BD3-1236-4727-3249AE48DE37}"/>
               </a:ext>
             </a:extLst>
           </p:cNvPr>
@@ -1792,7 +1792,7 @@
           <p:cNvPr id="7" name="日期占位符 6">
             <a:extLst>
               <a:ext uri="{FF2B5EF4-FFF2-40B4-BE49-F238E27FC236}">
-                <a16:creationId xmlns:a16="http://schemas.microsoft.com/office/drawing/2014/main" id="{A6C82D6B-99DD-1A7B-E10F-C63ECB984553}"/>
+                <a16:creationId xmlns:a16="http://schemas.microsoft.com/office/drawing/2014/main" id="{CB0FFFA1-0ECF-E8AA-3C71-4B50C895C869}"/>
               </a:ext>
             </a:extLst>
           </p:cNvPr>
@@ -1808,7 +1808,7 @@
           <a:bodyPr/>
           <a:lstStyle/>
           <a:p>
-            <a:fld id="{F92B824C-7FF8-488C-A7A6-CFD28D66E269}" type="datetimeFigureOut">
+            <a:fld id="{99024CE7-2EC9-4149-82EB-2DB9FA556285}" type="datetimeFigureOut">
               <a:rPr lang="zh-CN" altLang="en-US" smtClean="0"/>
               <a:t>2024/3/10</a:t>
             </a:fld>
@@ -1821,7 +1821,7 @@
           <p:cNvPr id="8" name="页脚占位符 7">
             <a:extLst>
               <a:ext uri="{FF2B5EF4-FFF2-40B4-BE49-F238E27FC236}">
-                <a16:creationId xmlns:a16="http://schemas.microsoft.com/office/drawing/2014/main" id="{278613B5-C966-BBE6-2243-D325E6D6C35E}"/>
+                <a16:creationId xmlns:a16="http://schemas.microsoft.com/office/drawing/2014/main" id="{5C2CF321-207F-B9F4-6C35-4D6B0EB81E05}"/>
               </a:ext>
             </a:extLst>
           </p:cNvPr>
@@ -1846,7 +1846,7 @@
           <p:cNvPr id="9" name="灯片编号占位符 8">
             <a:extLst>
               <a:ext uri="{FF2B5EF4-FFF2-40B4-BE49-F238E27FC236}">
-                <a16:creationId xmlns:a16="http://schemas.microsoft.com/office/drawing/2014/main" id="{397B5EE8-235E-4E2C-A850-069DC299404F}"/>
+                <a16:creationId xmlns:a16="http://schemas.microsoft.com/office/drawing/2014/main" id="{5B568B0E-4970-3C4D-F769-0BBF5CEE9183}"/>
               </a:ext>
             </a:extLst>
           </p:cNvPr>
@@ -1862,7 +1862,7 @@
           <a:bodyPr/>
           <a:lstStyle/>
           <a:p>
-            <a:fld id="{0C8FB69C-1429-41CA-B15E-9DBF1900AC5B}" type="slidenum">
+            <a:fld id="{F2A2506F-562E-468A-84B9-FB1C3508E412}" type="slidenum">
               <a:rPr lang="zh-CN" altLang="en-US" smtClean="0"/>
               <a:t>‹#›</a:t>
             </a:fld>
@@ -1873,7 +1873,7 @@
     </p:spTree>
     <p:extLst>
       <p:ext uri="{BB962C8B-B14F-4D97-AF65-F5344CB8AC3E}">
-        <p14:creationId xmlns:p14="http://schemas.microsoft.com/office/powerpoint/2010/main" val="1753477880"/>
+        <p14:creationId xmlns:p14="http://schemas.microsoft.com/office/powerpoint/2010/main" val="1502337455"/>
       </p:ext>
     </p:extLst>
   </p:cSld>
@@ -1905,7 +1905,7 @@
           <p:cNvPr id="2" name="标题 1">
             <a:extLst>
               <a:ext uri="{FF2B5EF4-FFF2-40B4-BE49-F238E27FC236}">
-                <a16:creationId xmlns:a16="http://schemas.microsoft.com/office/drawing/2014/main" id="{A471B501-8A57-32A3-74F4-8959DD048411}"/>
+                <a16:creationId xmlns:a16="http://schemas.microsoft.com/office/drawing/2014/main" id="{F3DD3F98-6866-590D-95DD-74DDD327594D}"/>
               </a:ext>
             </a:extLst>
           </p:cNvPr>
@@ -1933,7 +1933,7 @@
           <p:cNvPr id="3" name="日期占位符 2">
             <a:extLst>
               <a:ext uri="{FF2B5EF4-FFF2-40B4-BE49-F238E27FC236}">
-                <a16:creationId xmlns:a16="http://schemas.microsoft.com/office/drawing/2014/main" id="{FAFA86D9-5AF2-60BA-F77C-78E94F3BBAEC}"/>
+                <a16:creationId xmlns:a16="http://schemas.microsoft.com/office/drawing/2014/main" id="{D490FC69-B4F9-0CE3-5AFB-16C1A1C7A7A9}"/>
               </a:ext>
             </a:extLst>
           </p:cNvPr>
@@ -1949,7 +1949,7 @@
           <a:bodyPr/>
           <a:lstStyle/>
           <a:p>
-            <a:fld id="{F92B824C-7FF8-488C-A7A6-CFD28D66E269}" type="datetimeFigureOut">
+            <a:fld id="{99024CE7-2EC9-4149-82EB-2DB9FA556285}" type="datetimeFigureOut">
               <a:rPr lang="zh-CN" altLang="en-US" smtClean="0"/>
               <a:t>2024/3/10</a:t>
             </a:fld>
@@ -1962,7 +1962,7 @@
           <p:cNvPr id="4" name="页脚占位符 3">
             <a:extLst>
               <a:ext uri="{FF2B5EF4-FFF2-40B4-BE49-F238E27FC236}">
-                <a16:creationId xmlns:a16="http://schemas.microsoft.com/office/drawing/2014/main" id="{07A443FE-E162-1B15-421D-2654BF48EB4D}"/>
+                <a16:creationId xmlns:a16="http://schemas.microsoft.com/office/drawing/2014/main" id="{6C4385B6-B52F-A971-445A-A5EE44B9512E}"/>
               </a:ext>
             </a:extLst>
           </p:cNvPr>
@@ -1987,7 +1987,7 @@
           <p:cNvPr id="5" name="灯片编号占位符 4">
             <a:extLst>
               <a:ext uri="{FF2B5EF4-FFF2-40B4-BE49-F238E27FC236}">
-                <a16:creationId xmlns:a16="http://schemas.microsoft.com/office/drawing/2014/main" id="{984EDF3B-A34C-AB27-F6E7-DDCEDA97857D}"/>
+                <a16:creationId xmlns:a16="http://schemas.microsoft.com/office/drawing/2014/main" id="{59A3A0DD-1728-2C81-5644-74C433125707}"/>
               </a:ext>
             </a:extLst>
           </p:cNvPr>
@@ -2003,7 +2003,7 @@
           <a:bodyPr/>
           <a:lstStyle/>
           <a:p>
-            <a:fld id="{0C8FB69C-1429-41CA-B15E-9DBF1900AC5B}" type="slidenum">
+            <a:fld id="{F2A2506F-562E-468A-84B9-FB1C3508E412}" type="slidenum">
               <a:rPr lang="zh-CN" altLang="en-US" smtClean="0"/>
               <a:t>‹#›</a:t>
             </a:fld>
@@ -2014,7 +2014,7 @@
     </p:spTree>
     <p:extLst>
       <p:ext uri="{BB962C8B-B14F-4D97-AF65-F5344CB8AC3E}">
-        <p14:creationId xmlns:p14="http://schemas.microsoft.com/office/powerpoint/2010/main" val="3610186024"/>
+        <p14:creationId xmlns:p14="http://schemas.microsoft.com/office/powerpoint/2010/main" val="1143875003"/>
       </p:ext>
     </p:extLst>
   </p:cSld>
@@ -2046,7 +2046,7 @@
           <p:cNvPr id="2" name="日期占位符 1">
             <a:extLst>
               <a:ext uri="{FF2B5EF4-FFF2-40B4-BE49-F238E27FC236}">
-                <a16:creationId xmlns:a16="http://schemas.microsoft.com/office/drawing/2014/main" id="{64051DF5-D36D-4A1D-1624-D116EB96BADB}"/>
+                <a16:creationId xmlns:a16="http://schemas.microsoft.com/office/drawing/2014/main" id="{D57C6582-552D-A3D4-390F-06DBD88B4704}"/>
               </a:ext>
             </a:extLst>
           </p:cNvPr>
@@ -2062,7 +2062,7 @@
           <a:bodyPr/>
           <a:lstStyle/>
           <a:p>
-            <a:fld id="{F92B824C-7FF8-488C-A7A6-CFD28D66E269}" type="datetimeFigureOut">
+            <a:fld id="{99024CE7-2EC9-4149-82EB-2DB9FA556285}" type="datetimeFigureOut">
               <a:rPr lang="zh-CN" altLang="en-US" smtClean="0"/>
               <a:t>2024/3/10</a:t>
             </a:fld>
@@ -2075,7 +2075,7 @@
           <p:cNvPr id="3" name="页脚占位符 2">
             <a:extLst>
               <a:ext uri="{FF2B5EF4-FFF2-40B4-BE49-F238E27FC236}">
-                <a16:creationId xmlns:a16="http://schemas.microsoft.com/office/drawing/2014/main" id="{E75793CC-5C5D-5BAF-9132-1C387B9E516C}"/>
+                <a16:creationId xmlns:a16="http://schemas.microsoft.com/office/drawing/2014/main" id="{633F71A1-A32D-8737-5B72-4F3C4AD1A512}"/>
               </a:ext>
             </a:extLst>
           </p:cNvPr>
@@ -2100,7 +2100,7 @@
           <p:cNvPr id="4" name="灯片编号占位符 3">
             <a:extLst>
               <a:ext uri="{FF2B5EF4-FFF2-40B4-BE49-F238E27FC236}">
-                <a16:creationId xmlns:a16="http://schemas.microsoft.com/office/drawing/2014/main" id="{B1DA557E-00E2-E22E-EBA2-59BAB52B50B7}"/>
+                <a16:creationId xmlns:a16="http://schemas.microsoft.com/office/drawing/2014/main" id="{06357472-544F-E301-83AE-7848E31A9783}"/>
               </a:ext>
             </a:extLst>
           </p:cNvPr>
@@ -2116,7 +2116,7 @@
           <a:bodyPr/>
           <a:lstStyle/>
           <a:p>
-            <a:fld id="{0C8FB69C-1429-41CA-B15E-9DBF1900AC5B}" type="slidenum">
+            <a:fld id="{F2A2506F-562E-468A-84B9-FB1C3508E412}" type="slidenum">
               <a:rPr lang="zh-CN" altLang="en-US" smtClean="0"/>
               <a:t>‹#›</a:t>
             </a:fld>
@@ -2127,7 +2127,7 @@
     </p:spTree>
     <p:extLst>
       <p:ext uri="{BB962C8B-B14F-4D97-AF65-F5344CB8AC3E}">
-        <p14:creationId xmlns:p14="http://schemas.microsoft.com/office/powerpoint/2010/main" val="379714758"/>
+        <p14:creationId xmlns:p14="http://schemas.microsoft.com/office/powerpoint/2010/main" val="3747837996"/>
       </p:ext>
     </p:extLst>
   </p:cSld>
@@ -2159,7 +2159,7 @@
           <p:cNvPr id="2" name="标题 1">
             <a:extLst>
               <a:ext uri="{FF2B5EF4-FFF2-40B4-BE49-F238E27FC236}">
-                <a16:creationId xmlns:a16="http://schemas.microsoft.com/office/drawing/2014/main" id="{EF171532-B9FB-067D-F0C0-5F6440E3A67A}"/>
+                <a16:creationId xmlns:a16="http://schemas.microsoft.com/office/drawing/2014/main" id="{1CA0E5F0-C1E5-9499-B242-CD05172D7CC4}"/>
               </a:ext>
             </a:extLst>
           </p:cNvPr>
@@ -2196,7 +2196,7 @@
           <p:cNvPr id="3" name="内容占位符 2">
             <a:extLst>
               <a:ext uri="{FF2B5EF4-FFF2-40B4-BE49-F238E27FC236}">
-                <a16:creationId xmlns:a16="http://schemas.microsoft.com/office/drawing/2014/main" id="{0E2BF27B-C1D8-948F-5588-953AB843E755}"/>
+                <a16:creationId xmlns:a16="http://schemas.microsoft.com/office/drawing/2014/main" id="{5F690BB2-BE12-BB27-8FC1-35010C00DDB4}"/>
               </a:ext>
             </a:extLst>
           </p:cNvPr>
@@ -2286,7 +2286,7 @@
           <p:cNvPr id="4" name="文本占位符 3">
             <a:extLst>
               <a:ext uri="{FF2B5EF4-FFF2-40B4-BE49-F238E27FC236}">
-                <a16:creationId xmlns:a16="http://schemas.microsoft.com/office/drawing/2014/main" id="{543A4EB3-BEF4-EF79-5A48-295370FE689D}"/>
+                <a16:creationId xmlns:a16="http://schemas.microsoft.com/office/drawing/2014/main" id="{15EF013E-2D5A-3362-DA3E-66502C4C5124}"/>
               </a:ext>
             </a:extLst>
           </p:cNvPr>
@@ -2357,7 +2357,7 @@
           <p:cNvPr id="5" name="日期占位符 4">
             <a:extLst>
               <a:ext uri="{FF2B5EF4-FFF2-40B4-BE49-F238E27FC236}">
-                <a16:creationId xmlns:a16="http://schemas.microsoft.com/office/drawing/2014/main" id="{3F949BD3-2A8F-A8FC-D8AE-15DA1A364BDC}"/>
+                <a16:creationId xmlns:a16="http://schemas.microsoft.com/office/drawing/2014/main" id="{C0B47DC7-670D-CC9C-04D8-83A0A3C29686}"/>
               </a:ext>
             </a:extLst>
           </p:cNvPr>
@@ -2373,7 +2373,7 @@
           <a:bodyPr/>
           <a:lstStyle/>
           <a:p>
-            <a:fld id="{F92B824C-7FF8-488C-A7A6-CFD28D66E269}" type="datetimeFigureOut">
+            <a:fld id="{99024CE7-2EC9-4149-82EB-2DB9FA556285}" type="datetimeFigureOut">
               <a:rPr lang="zh-CN" altLang="en-US" smtClean="0"/>
               <a:t>2024/3/10</a:t>
             </a:fld>
@@ -2386,7 +2386,7 @@
           <p:cNvPr id="6" name="页脚占位符 5">
             <a:extLst>
               <a:ext uri="{FF2B5EF4-FFF2-40B4-BE49-F238E27FC236}">
-                <a16:creationId xmlns:a16="http://schemas.microsoft.com/office/drawing/2014/main" id="{FAB32A9A-78D3-F262-9FBC-5F6F4C845A5A}"/>
+                <a16:creationId xmlns:a16="http://schemas.microsoft.com/office/drawing/2014/main" id="{B0A47DF9-1946-0B53-6BE8-266D22FA8502}"/>
               </a:ext>
             </a:extLst>
           </p:cNvPr>
@@ -2411,7 +2411,7 @@
           <p:cNvPr id="7" name="灯片编号占位符 6">
             <a:extLst>
               <a:ext uri="{FF2B5EF4-FFF2-40B4-BE49-F238E27FC236}">
-                <a16:creationId xmlns:a16="http://schemas.microsoft.com/office/drawing/2014/main" id="{5C5B181F-3B1A-70FD-EBEB-BCADD50CA2AB}"/>
+                <a16:creationId xmlns:a16="http://schemas.microsoft.com/office/drawing/2014/main" id="{A6AEB549-A836-BAC1-713B-4A8724A1636D}"/>
               </a:ext>
             </a:extLst>
           </p:cNvPr>
@@ -2427,7 +2427,7 @@
           <a:bodyPr/>
           <a:lstStyle/>
           <a:p>
-            <a:fld id="{0C8FB69C-1429-41CA-B15E-9DBF1900AC5B}" type="slidenum">
+            <a:fld id="{F2A2506F-562E-468A-84B9-FB1C3508E412}" type="slidenum">
               <a:rPr lang="zh-CN" altLang="en-US" smtClean="0"/>
               <a:t>‹#›</a:t>
             </a:fld>
@@ -2438,7 +2438,7 @@
     </p:spTree>
     <p:extLst>
       <p:ext uri="{BB962C8B-B14F-4D97-AF65-F5344CB8AC3E}">
-        <p14:creationId xmlns:p14="http://schemas.microsoft.com/office/powerpoint/2010/main" val="1578394588"/>
+        <p14:creationId xmlns:p14="http://schemas.microsoft.com/office/powerpoint/2010/main" val="1494869870"/>
       </p:ext>
     </p:extLst>
   </p:cSld>
@@ -2470,7 +2470,7 @@
           <p:cNvPr id="2" name="标题 1">
             <a:extLst>
               <a:ext uri="{FF2B5EF4-FFF2-40B4-BE49-F238E27FC236}">
-                <a16:creationId xmlns:a16="http://schemas.microsoft.com/office/drawing/2014/main" id="{57164573-ACD8-E02D-9D7C-FC30D76F33F2}"/>
+                <a16:creationId xmlns:a16="http://schemas.microsoft.com/office/drawing/2014/main" id="{D7AFAE3E-31A8-E819-263F-FF4A7E18D996}"/>
               </a:ext>
             </a:extLst>
           </p:cNvPr>
@@ -2507,7 +2507,7 @@
           <p:cNvPr id="3" name="图片占位符 2">
             <a:extLst>
               <a:ext uri="{FF2B5EF4-FFF2-40B4-BE49-F238E27FC236}">
-                <a16:creationId xmlns:a16="http://schemas.microsoft.com/office/drawing/2014/main" id="{9085B99D-94FB-FC3D-22CA-5A8B04A567C2}"/>
+                <a16:creationId xmlns:a16="http://schemas.microsoft.com/office/drawing/2014/main" id="{01652BAD-1B21-0268-4690-BC131459E1B1}"/>
               </a:ext>
             </a:extLst>
           </p:cNvPr>
@@ -2574,7 +2574,7 @@
           <p:cNvPr id="4" name="文本占位符 3">
             <a:extLst>
               <a:ext uri="{FF2B5EF4-FFF2-40B4-BE49-F238E27FC236}">
-                <a16:creationId xmlns:a16="http://schemas.microsoft.com/office/drawing/2014/main" id="{6D7578E9-E5C1-16E5-8573-5ED18A5D618A}"/>
+                <a16:creationId xmlns:a16="http://schemas.microsoft.com/office/drawing/2014/main" id="{5025DA3E-8A9E-62BD-F41B-2422B99CCC2C}"/>
               </a:ext>
             </a:extLst>
           </p:cNvPr>
@@ -2645,7 +2645,7 @@
           <p:cNvPr id="5" name="日期占位符 4">
             <a:extLst>
               <a:ext uri="{FF2B5EF4-FFF2-40B4-BE49-F238E27FC236}">
-                <a16:creationId xmlns:a16="http://schemas.microsoft.com/office/drawing/2014/main" id="{C70C13DD-5555-907E-8E01-8F585A7A6F91}"/>
+                <a16:creationId xmlns:a16="http://schemas.microsoft.com/office/drawing/2014/main" id="{A3D18C7A-9D43-7B46-F5F8-18B559DF8914}"/>
               </a:ext>
             </a:extLst>
           </p:cNvPr>
@@ -2661,7 +2661,7 @@
           <a:bodyPr/>
           <a:lstStyle/>
           <a:p>
-            <a:fld id="{F92B824C-7FF8-488C-A7A6-CFD28D66E269}" type="datetimeFigureOut">
+            <a:fld id="{99024CE7-2EC9-4149-82EB-2DB9FA556285}" type="datetimeFigureOut">
               <a:rPr lang="zh-CN" altLang="en-US" smtClean="0"/>
               <a:t>2024/3/10</a:t>
             </a:fld>
@@ -2674,7 +2674,7 @@
           <p:cNvPr id="6" name="页脚占位符 5">
             <a:extLst>
               <a:ext uri="{FF2B5EF4-FFF2-40B4-BE49-F238E27FC236}">
-                <a16:creationId xmlns:a16="http://schemas.microsoft.com/office/drawing/2014/main" id="{43356FF4-3CA3-7D3A-FDC3-2833303D294D}"/>
+                <a16:creationId xmlns:a16="http://schemas.microsoft.com/office/drawing/2014/main" id="{BECA0C48-D4D3-D7A9-C4DC-3B1E8804BEBE}"/>
               </a:ext>
             </a:extLst>
           </p:cNvPr>
@@ -2699,7 +2699,7 @@
           <p:cNvPr id="7" name="灯片编号占位符 6">
             <a:extLst>
               <a:ext uri="{FF2B5EF4-FFF2-40B4-BE49-F238E27FC236}">
-                <a16:creationId xmlns:a16="http://schemas.microsoft.com/office/drawing/2014/main" id="{859E0DB9-51DA-2968-420A-B3FCA1D40044}"/>
+                <a16:creationId xmlns:a16="http://schemas.microsoft.com/office/drawing/2014/main" id="{ED8BB9ED-042A-2EFF-2301-143182C2F148}"/>
               </a:ext>
             </a:extLst>
           </p:cNvPr>
@@ -2715,7 +2715,7 @@
           <a:bodyPr/>
           <a:lstStyle/>
           <a:p>
-            <a:fld id="{0C8FB69C-1429-41CA-B15E-9DBF1900AC5B}" type="slidenum">
+            <a:fld id="{F2A2506F-562E-468A-84B9-FB1C3508E412}" type="slidenum">
               <a:rPr lang="zh-CN" altLang="en-US" smtClean="0"/>
               <a:t>‹#›</a:t>
             </a:fld>
@@ -2726,7 +2726,7 @@
     </p:spTree>
     <p:extLst>
       <p:ext uri="{BB962C8B-B14F-4D97-AF65-F5344CB8AC3E}">
-        <p14:creationId xmlns:p14="http://schemas.microsoft.com/office/powerpoint/2010/main" val="3730333869"/>
+        <p14:creationId xmlns:p14="http://schemas.microsoft.com/office/powerpoint/2010/main" val="3057860009"/>
       </p:ext>
     </p:extLst>
   </p:cSld>
@@ -2763,7 +2763,7 @@
           <p:cNvPr id="2" name="标题占位符 1">
             <a:extLst>
               <a:ext uri="{FF2B5EF4-FFF2-40B4-BE49-F238E27FC236}">
-                <a16:creationId xmlns:a16="http://schemas.microsoft.com/office/drawing/2014/main" id="{453A4CD0-D166-AB30-3A97-03ADCC67946E}"/>
+                <a16:creationId xmlns:a16="http://schemas.microsoft.com/office/drawing/2014/main" id="{B0133B78-1E68-5D9E-160F-AD8C67B73BE7}"/>
               </a:ext>
             </a:extLst>
           </p:cNvPr>
@@ -2801,7 +2801,7 @@
           <p:cNvPr id="3" name="文本占位符 2">
             <a:extLst>
               <a:ext uri="{FF2B5EF4-FFF2-40B4-BE49-F238E27FC236}">
-                <a16:creationId xmlns:a16="http://schemas.microsoft.com/office/drawing/2014/main" id="{74DBB87E-CC63-C2CC-C7FC-E3A863836B2A}"/>
+                <a16:creationId xmlns:a16="http://schemas.microsoft.com/office/drawing/2014/main" id="{3ACE3AED-3C20-4998-AC66-3FA61E0C205F}"/>
               </a:ext>
             </a:extLst>
           </p:cNvPr>
@@ -2868,7 +2868,7 @@
           <p:cNvPr id="4" name="日期占位符 3">
             <a:extLst>
               <a:ext uri="{FF2B5EF4-FFF2-40B4-BE49-F238E27FC236}">
-                <a16:creationId xmlns:a16="http://schemas.microsoft.com/office/drawing/2014/main" id="{F9826C89-D08A-7B33-1BF6-9E59DA9EAAF1}"/>
+                <a16:creationId xmlns:a16="http://schemas.microsoft.com/office/drawing/2014/main" id="{ED12B2AC-3EB8-5A88-2CA6-A4CB632386DB}"/>
               </a:ext>
             </a:extLst>
           </p:cNvPr>
@@ -2902,7 +2902,7 @@
             </a:lvl1pPr>
           </a:lstStyle>
           <a:p>
-            <a:fld id="{F92B824C-7FF8-488C-A7A6-CFD28D66E269}" type="datetimeFigureOut">
+            <a:fld id="{99024CE7-2EC9-4149-82EB-2DB9FA556285}" type="datetimeFigureOut">
               <a:rPr lang="zh-CN" altLang="en-US" smtClean="0"/>
               <a:t>2024/3/10</a:t>
             </a:fld>
@@ -2915,7 +2915,7 @@
           <p:cNvPr id="5" name="页脚占位符 4">
             <a:extLst>
               <a:ext uri="{FF2B5EF4-FFF2-40B4-BE49-F238E27FC236}">
-                <a16:creationId xmlns:a16="http://schemas.microsoft.com/office/drawing/2014/main" id="{26668100-622F-A22A-CE0F-018635E18862}"/>
+                <a16:creationId xmlns:a16="http://schemas.microsoft.com/office/drawing/2014/main" id="{557EEA8A-1FCC-49D7-E730-2F76E768E56C}"/>
               </a:ext>
             </a:extLst>
           </p:cNvPr>
@@ -2958,7 +2958,7 @@
           <p:cNvPr id="6" name="灯片编号占位符 5">
             <a:extLst>
               <a:ext uri="{FF2B5EF4-FFF2-40B4-BE49-F238E27FC236}">
-                <a16:creationId xmlns:a16="http://schemas.microsoft.com/office/drawing/2014/main" id="{DFAE8A0F-7D55-C6B5-7FC4-9DC8999A2A69}"/>
+                <a16:creationId xmlns:a16="http://schemas.microsoft.com/office/drawing/2014/main" id="{D59A9511-E007-6CDE-DC4C-BA3C8E0D0959}"/>
               </a:ext>
             </a:extLst>
           </p:cNvPr>
@@ -2992,7 +2992,7 @@
             </a:lvl1pPr>
           </a:lstStyle>
           <a:p>
-            <a:fld id="{0C8FB69C-1429-41CA-B15E-9DBF1900AC5B}" type="slidenum">
+            <a:fld id="{F2A2506F-562E-468A-84B9-FB1C3508E412}" type="slidenum">
               <a:rPr lang="zh-CN" altLang="en-US" smtClean="0"/>
               <a:t>‹#›</a:t>
             </a:fld>
@@ -3003,7 +3003,7 @@
     </p:spTree>
     <p:extLst>
       <p:ext uri="{BB962C8B-B14F-4D97-AF65-F5344CB8AC3E}">
-        <p14:creationId xmlns:p14="http://schemas.microsoft.com/office/powerpoint/2010/main" val="3999978187"/>
+        <p14:creationId xmlns:p14="http://schemas.microsoft.com/office/powerpoint/2010/main" val="1595196835"/>
       </p:ext>
     </p:extLst>
   </p:cSld>
